--- a/__support__.pptx
+++ b/__support__.pptx
@@ -264,7 +264,7 @@
           <a:p>
             <a:fld id="{C53603C2-E458-467D-ADEC-4B7981C6325D}" type="datetimeFigureOut">
               <a:rPr lang="fr-FR" smtClean="0"/>
-              <a:t>21/11/2017</a:t>
+              <a:t>22/11/2017</a:t>
             </a:fld>
             <a:endParaRPr lang="fr-FR"/>
           </a:p>
@@ -462,7 +462,7 @@
           <a:p>
             <a:fld id="{C53603C2-E458-467D-ADEC-4B7981C6325D}" type="datetimeFigureOut">
               <a:rPr lang="fr-FR" smtClean="0"/>
-              <a:t>21/11/2017</a:t>
+              <a:t>22/11/2017</a:t>
             </a:fld>
             <a:endParaRPr lang="fr-FR"/>
           </a:p>
@@ -670,7 +670,7 @@
           <a:p>
             <a:fld id="{C53603C2-E458-467D-ADEC-4B7981C6325D}" type="datetimeFigureOut">
               <a:rPr lang="fr-FR" smtClean="0"/>
-              <a:t>21/11/2017</a:t>
+              <a:t>22/11/2017</a:t>
             </a:fld>
             <a:endParaRPr lang="fr-FR"/>
           </a:p>
@@ -868,7 +868,7 @@
           <a:p>
             <a:fld id="{C53603C2-E458-467D-ADEC-4B7981C6325D}" type="datetimeFigureOut">
               <a:rPr lang="fr-FR" smtClean="0"/>
-              <a:t>21/11/2017</a:t>
+              <a:t>22/11/2017</a:t>
             </a:fld>
             <a:endParaRPr lang="fr-FR"/>
           </a:p>
@@ -1143,7 +1143,7 @@
           <a:p>
             <a:fld id="{C53603C2-E458-467D-ADEC-4B7981C6325D}" type="datetimeFigureOut">
               <a:rPr lang="fr-FR" smtClean="0"/>
-              <a:t>21/11/2017</a:t>
+              <a:t>22/11/2017</a:t>
             </a:fld>
             <a:endParaRPr lang="fr-FR"/>
           </a:p>
@@ -1408,7 +1408,7 @@
           <a:p>
             <a:fld id="{C53603C2-E458-467D-ADEC-4B7981C6325D}" type="datetimeFigureOut">
               <a:rPr lang="fr-FR" smtClean="0"/>
-              <a:t>21/11/2017</a:t>
+              <a:t>22/11/2017</a:t>
             </a:fld>
             <a:endParaRPr lang="fr-FR"/>
           </a:p>
@@ -1820,7 +1820,7 @@
           <a:p>
             <a:fld id="{C53603C2-E458-467D-ADEC-4B7981C6325D}" type="datetimeFigureOut">
               <a:rPr lang="fr-FR" smtClean="0"/>
-              <a:t>21/11/2017</a:t>
+              <a:t>22/11/2017</a:t>
             </a:fld>
             <a:endParaRPr lang="fr-FR"/>
           </a:p>
@@ -1961,7 +1961,7 @@
           <a:p>
             <a:fld id="{C53603C2-E458-467D-ADEC-4B7981C6325D}" type="datetimeFigureOut">
               <a:rPr lang="fr-FR" smtClean="0"/>
-              <a:t>21/11/2017</a:t>
+              <a:t>22/11/2017</a:t>
             </a:fld>
             <a:endParaRPr lang="fr-FR"/>
           </a:p>
@@ -2074,7 +2074,7 @@
           <a:p>
             <a:fld id="{C53603C2-E458-467D-ADEC-4B7981C6325D}" type="datetimeFigureOut">
               <a:rPr lang="fr-FR" smtClean="0"/>
-              <a:t>21/11/2017</a:t>
+              <a:t>22/11/2017</a:t>
             </a:fld>
             <a:endParaRPr lang="fr-FR"/>
           </a:p>
@@ -2385,7 +2385,7 @@
           <a:p>
             <a:fld id="{C53603C2-E458-467D-ADEC-4B7981C6325D}" type="datetimeFigureOut">
               <a:rPr lang="fr-FR" smtClean="0"/>
-              <a:t>21/11/2017</a:t>
+              <a:t>22/11/2017</a:t>
             </a:fld>
             <a:endParaRPr lang="fr-FR"/>
           </a:p>
@@ -2673,7 +2673,7 @@
           <a:p>
             <a:fld id="{C53603C2-E458-467D-ADEC-4B7981C6325D}" type="datetimeFigureOut">
               <a:rPr lang="fr-FR" smtClean="0"/>
-              <a:t>21/11/2017</a:t>
+              <a:t>22/11/2017</a:t>
             </a:fld>
             <a:endParaRPr lang="fr-FR"/>
           </a:p>
@@ -2914,7 +2914,7 @@
           <a:p>
             <a:fld id="{C53603C2-E458-467D-ADEC-4B7981C6325D}" type="datetimeFigureOut">
               <a:rPr lang="fr-FR" smtClean="0"/>
-              <a:t>21/11/2017</a:t>
+              <a:t>22/11/2017</a:t>
             </a:fld>
             <a:endParaRPr lang="fr-FR"/>
           </a:p>
@@ -3362,7 +3362,7 @@
             </a:r>
             <a:r>
               <a:rPr lang="fr-FR" dirty="0"/>
-              <a:t> 5</a:t>
+              <a:t> 5 test</a:t>
             </a:r>
           </a:p>
         </p:txBody>

--- a/__support__.pptx
+++ b/__support__.pptx
@@ -3362,7 +3362,7 @@
             </a:r>
             <a:r>
               <a:rPr lang="fr-FR" dirty="0"/>
-              <a:t> 5 test</a:t>
+              <a:t> 5 test 2</a:t>
             </a:r>
           </a:p>
         </p:txBody>

--- a/__support__.pptx
+++ b/__support__.pptx
@@ -3362,8 +3362,13 @@
             </a:r>
             <a:r>
               <a:rPr lang="fr-FR" dirty="0"/>
-              <a:t> 5 test 2</a:t>
-            </a:r>
+              <a:t> 5 </a:t>
+            </a:r>
+            <a:r>
+              <a:rPr lang="fr-FR"/>
+              <a:t>test 3</a:t>
+            </a:r>
+            <a:endParaRPr lang="fr-FR" dirty="0"/>
           </a:p>
         </p:txBody>
       </p:sp>
